--- a/docs/slides/panel.pptx
+++ b/docs/slides/panel.pptx
@@ -910,7 +910,7 @@
               </a:spcAft>
               <a:buNone/>
             </a:pPr>
-            <a:endParaRPr/>
+            <a:endParaRPr dirty="0"/>
           </a:p>
         </p:txBody>
       </p:sp>
@@ -1224,7 +1224,7 @@
                 <a:effectLst/>
                 <a:latin typeface="Helvetica" pitchFamily="2" charset="0"/>
               </a:rPr>
-              <a:t>redeach</a:t>
+              <a:t>reseach</a:t>
             </a:r>
             <a:r>
               <a:rPr lang="en-GB" dirty="0">
@@ -11542,7 +11542,7 @@
             </a:pPr>
             <a:r>
               <a:rPr lang="en-US" dirty="0"/>
-              <a:t>Thesis subject</a:t>
+              <a:t>Thesis subject with the</a:t>
             </a:r>
             <a:br>
               <a:rPr lang="en-US" dirty="0"/>
@@ -11581,7 +11581,7 @@
             </a:pPr>
             <a:r>
               <a:rPr lang="en-US" dirty="0"/>
-              <a:t>Middleware to orchestrate following </a:t>
+              <a:t>Middleware to orchestrate services, restricted by </a:t>
             </a:r>
             <a:r>
               <a:rPr lang="en-US" b="1" i="1" dirty="0"/>
@@ -12176,7 +12176,7 @@
                 <a:cs typeface="Proxima Nova"/>
                 <a:sym typeface="Proxima Nova"/>
               </a:rPr>
-              <a:t>Self-adaptivity, selected archetypes and configurations can change </a:t>
+              <a:t>Self-adaptivity, deployments, archetypes and configurations can change </a:t>
             </a:r>
             <a:r>
               <a:rPr lang="en" sz="1900" b="1" i="1" dirty="0">
@@ -12907,7 +12907,7 @@
               <a:buNone/>
             </a:pPr>
             <a:r>
-              <a:rPr lang="en" sz="1800">
+              <a:rPr lang="en" sz="1800" dirty="0">
                 <a:solidFill>
                   <a:schemeClr val="accent3"/>
                 </a:solidFill>
@@ -12918,7 +12918,7 @@
               </a:rPr>
               <a:t>3. </a:t>
             </a:r>
-            <a:endParaRPr sz="1800">
+            <a:endParaRPr sz="1800" dirty="0">
               <a:solidFill>
                 <a:schemeClr val="accent3"/>
               </a:solidFill>
@@ -12939,7 +12939,7 @@
               <a:buNone/>
             </a:pPr>
             <a:r>
-              <a:rPr lang="en" sz="1800">
+              <a:rPr lang="en" sz="1800" dirty="0">
                 <a:solidFill>
                   <a:schemeClr val="accent3"/>
                 </a:solidFill>
@@ -12948,9 +12948,9 @@
                 <a:cs typeface="Proxima Nova"/>
                 <a:sym typeface="Proxima Nova"/>
               </a:rPr>
-              <a:t>Create ephemeral data-exchange job(s)</a:t>
+              <a:t>Create single-use data-exchange jobs</a:t>
             </a:r>
-            <a:endParaRPr sz="1800" baseline="30000">
+            <a:endParaRPr sz="1800" baseline="30000" dirty="0">
               <a:solidFill>
                 <a:schemeClr val="accent3"/>
               </a:solidFill>
@@ -12978,8 +12978,8 @@
         </p:blipFill>
         <p:spPr>
           <a:xfrm>
-            <a:off x="3180039" y="593373"/>
-            <a:ext cx="2993351" cy="2902295"/>
+            <a:off x="3180040" y="445025"/>
+            <a:ext cx="3146354" cy="3050644"/>
           </a:xfrm>
           <a:prstGeom prst="rect">
             <a:avLst/>
@@ -13070,34 +13070,6 @@
           </a:ln>
         </p:spPr>
       </p:pic>
-      <p:pic>
-        <p:nvPicPr>
-          <p:cNvPr id="128" name="Google Shape;128;p26"/>
-          <p:cNvPicPr preferRelativeResize="0"/>
-          <p:nvPr/>
-        </p:nvPicPr>
-        <p:blipFill>
-          <a:blip r:embed="rId5">
-            <a:alphaModFix/>
-          </a:blip>
-          <a:stretch>
-            <a:fillRect/>
-          </a:stretch>
-        </p:blipFill>
-        <p:spPr>
-          <a:xfrm>
-            <a:off x="6572651" y="1147260"/>
-            <a:ext cx="2596404" cy="2357639"/>
-          </a:xfrm>
-          <a:prstGeom prst="rect">
-            <a:avLst/>
-          </a:prstGeom>
-          <a:noFill/>
-          <a:ln>
-            <a:noFill/>
-          </a:ln>
-        </p:spPr>
-      </p:pic>
       <p:grpSp>
         <p:nvGrpSpPr>
           <p:cNvPr id="129" name="Google Shape;129;p26"/>
@@ -13119,7 +13091,7 @@
             <p:nvPr/>
           </p:nvPicPr>
           <p:blipFill>
-            <a:blip r:embed="rId6">
+            <a:blip r:embed="rId5">
               <a:alphaModFix/>
             </a:blip>
             <a:stretch>
@@ -13147,7 +13119,7 @@
             <p:nvPr/>
           </p:nvPicPr>
           <p:blipFill>
-            <a:blip r:embed="rId7">
+            <a:blip r:embed="rId6">
               <a:alphaModFix/>
             </a:blip>
             <a:stretch>
@@ -13175,7 +13147,7 @@
             <p:nvPr/>
           </p:nvPicPr>
           <p:blipFill>
-            <a:blip r:embed="rId8">
+            <a:blip r:embed="rId7">
               <a:alphaModFix/>
             </a:blip>
             <a:stretch>
@@ -13203,7 +13175,7 @@
             <p:nvPr/>
           </p:nvPicPr>
           <p:blipFill>
-            <a:blip r:embed="rId9">
+            <a:blip r:embed="rId8">
               <a:alphaModFix/>
             </a:blip>
             <a:stretch>
@@ -13231,7 +13203,7 @@
             <p:nvPr/>
           </p:nvPicPr>
           <p:blipFill>
-            <a:blip r:embed="rId10">
+            <a:blip r:embed="rId9">
               <a:alphaModFix/>
             </a:blip>
             <a:stretch>
@@ -13259,7 +13231,7 @@
             <p:nvPr/>
           </p:nvPicPr>
           <p:blipFill>
-            <a:blip r:embed="rId11">
+            <a:blip r:embed="rId10">
               <a:alphaModFix/>
             </a:blip>
             <a:stretch>
@@ -13287,7 +13259,7 @@
             <p:nvPr/>
           </p:nvPicPr>
           <p:blipFill>
-            <a:blip r:embed="rId12">
+            <a:blip r:embed="rId11">
               <a:alphaModFix/>
             </a:blip>
             <a:stretch>
@@ -13315,7 +13287,7 @@
             <p:nvPr/>
           </p:nvPicPr>
           <p:blipFill>
-            <a:blip r:embed="rId13">
+            <a:blip r:embed="rId12">
               <a:alphaModFix/>
             </a:blip>
             <a:stretch>
@@ -13343,7 +13315,7 @@
             <p:nvPr/>
           </p:nvPicPr>
           <p:blipFill>
-            <a:blip r:embed="rId14">
+            <a:blip r:embed="rId13">
               <a:alphaModFix/>
             </a:blip>
             <a:stretch>
@@ -13365,6 +13337,36 @@
           </p:spPr>
         </p:pic>
       </p:grpSp>
+      <p:pic>
+        <p:nvPicPr>
+          <p:cNvPr id="7" name="Picture 6" descr="A diagram of a computer hardware processing process&#10;&#10;Description automatically generated with medium confidence">
+            <a:extLst>
+              <a:ext uri="{FF2B5EF4-FFF2-40B4-BE49-F238E27FC236}">
+                <a16:creationId xmlns:a16="http://schemas.microsoft.com/office/drawing/2014/main" id="{12610F9F-B990-7D01-CCBA-0723108C7D4C}"/>
+              </a:ext>
+            </a:extLst>
+          </p:cNvPr>
+          <p:cNvPicPr>
+            <a:picLocks noChangeAspect="1"/>
+          </p:cNvPicPr>
+          <p:nvPr/>
+        </p:nvPicPr>
+        <p:blipFill>
+          <a:blip r:embed="rId14"/>
+          <a:stretch>
+            <a:fillRect/>
+          </a:stretch>
+        </p:blipFill>
+        <p:spPr>
+          <a:xfrm>
+            <a:off x="6288600" y="1670069"/>
+            <a:ext cx="2789708" cy="1673825"/>
+          </a:xfrm>
+          <a:prstGeom prst="rect">
+            <a:avLst/>
+          </a:prstGeom>
+        </p:spPr>
+      </p:pic>
     </p:spTree>
   </p:cSld>
   <p:clrMapOvr>
@@ -13670,7 +13672,7 @@
                 <a:cs typeface="Proxima Nova"/>
                 <a:sym typeface="Proxima Nova"/>
               </a:rPr>
-              <a:t>Network decisions aligned with policy?</a:t>
+              <a:t>Brin the control plane into the network</a:t>
             </a:r>
             <a:endParaRPr sz="1900" dirty="0">
               <a:solidFill>

--- a/docs/slides/panel.pptx
+++ b/docs/slides/panel.pptx
@@ -18,11 +18,18 @@
   <p:notesSz cx="6858000" cy="9144000"/>
   <p:embeddedFontLst>
     <p:embeddedFont>
-      <p:font typeface="Proxima Nova" panose="02000506030000020004" pitchFamily="2" charset="0"/>
+      <p:font typeface="Kantumruy Pro Medium" pitchFamily="2" charset="0"/>
       <p:regular r:id="rId8"/>
       <p:bold r:id="rId9"/>
       <p:italic r:id="rId10"/>
       <p:boldItalic r:id="rId11"/>
+    </p:embeddedFont>
+    <p:embeddedFont>
+      <p:font typeface="Proxima Nova" panose="02000506030000020004" pitchFamily="2" charset="0"/>
+      <p:regular r:id="rId12"/>
+      <p:bold r:id="rId13"/>
+      <p:italic r:id="rId14"/>
+      <p:boldItalic r:id="rId15"/>
     </p:embeddedFont>
   </p:embeddedFontLst>
   <p:defaultTextStyle>
@@ -12594,7 +12601,7 @@
         <p:spPr>
           <a:xfrm>
             <a:off x="7212466" y="3797886"/>
-            <a:ext cx="1159292" cy="307777"/>
+            <a:ext cx="1258678" cy="307777"/>
           </a:xfrm>
           <a:prstGeom prst="rect">
             <a:avLst/>
@@ -12611,6 +12618,110 @@
               <a:rPr lang="en-NL" b="1" dirty="0"/>
               <a:t>Archetypes</a:t>
             </a:r>
+            <a:r>
+              <a:rPr lang="en-NL" b="1" baseline="30000" dirty="0"/>
+              <a:t>1</a:t>
+            </a:r>
+          </a:p>
+        </p:txBody>
+      </p:sp>
+      <p:sp>
+        <p:nvSpPr>
+          <p:cNvPr id="2" name="Google Shape;288;p33">
+            <a:extLst>
+              <a:ext uri="{FF2B5EF4-FFF2-40B4-BE49-F238E27FC236}">
+                <a16:creationId xmlns:a16="http://schemas.microsoft.com/office/drawing/2014/main" id="{87A9438C-F155-D266-BE8F-EC7F3D313E9D}"/>
+              </a:ext>
+            </a:extLst>
+          </p:cNvPr>
+          <p:cNvSpPr txBox="1"/>
+          <p:nvPr/>
+        </p:nvSpPr>
+        <p:spPr>
+          <a:xfrm>
+            <a:off x="5701272" y="4559159"/>
+            <a:ext cx="3543300" cy="455700"/>
+          </a:xfrm>
+          <a:prstGeom prst="rect">
+            <a:avLst/>
+          </a:prstGeom>
+          <a:noFill/>
+          <a:ln>
+            <a:noFill/>
+          </a:ln>
+        </p:spPr>
+        <p:txBody>
+          <a:bodyPr spcFirstLastPara="1" wrap="square" lIns="91425" tIns="91425" rIns="91425" bIns="91425" anchor="t" anchorCtr="0">
+            <a:noAutofit/>
+          </a:bodyPr>
+          <a:lstStyle/>
+          <a:p>
+            <a:pPr marL="0" lvl="0" indent="0" algn="l" rtl="0">
+              <a:spcBef>
+                <a:spcPts val="0"/>
+              </a:spcBef>
+              <a:spcAft>
+                <a:spcPts val="0"/>
+              </a:spcAft>
+              <a:buNone/>
+            </a:pPr>
+            <a:r>
+              <a:rPr lang="en" sz="800" baseline="30000" dirty="0">
+                <a:solidFill>
+                  <a:srgbClr val="263165"/>
+                </a:solidFill>
+                <a:latin typeface="Kantumruy Pro Medium"/>
+                <a:ea typeface="Kantumruy Pro Medium"/>
+                <a:cs typeface="Kantumruy Pro Medium"/>
+                <a:sym typeface="Kantumruy Pro Medium"/>
+              </a:rPr>
+              <a:t>1</a:t>
+            </a:r>
+            <a:r>
+              <a:rPr lang="en" sz="800" dirty="0">
+                <a:solidFill>
+                  <a:srgbClr val="263165"/>
+                </a:solidFill>
+                <a:latin typeface="Kantumruy Pro Medium"/>
+                <a:ea typeface="Kantumruy Pro Medium"/>
+                <a:cs typeface="Kantumruy Pro Medium"/>
+                <a:sym typeface="Kantumruy Pro Medium"/>
+              </a:rPr>
+              <a:t> </a:t>
+            </a:r>
+            <a:r>
+              <a:rPr lang="en" sz="800" dirty="0" err="1">
+                <a:solidFill>
+                  <a:srgbClr val="263165"/>
+                </a:solidFill>
+                <a:latin typeface="Kantumruy Pro Medium"/>
+                <a:ea typeface="Kantumruy Pro Medium"/>
+                <a:cs typeface="Kantumruy Pro Medium"/>
+                <a:sym typeface="Kantumruy Pro Medium"/>
+              </a:rPr>
+              <a:t>Shakeri</a:t>
+            </a:r>
+            <a:r>
+              <a:rPr lang="en" sz="800" dirty="0">
+                <a:solidFill>
+                  <a:srgbClr val="263165"/>
+                </a:solidFill>
+                <a:latin typeface="Kantumruy Pro Medium"/>
+                <a:ea typeface="Kantumruy Pro Medium"/>
+                <a:cs typeface="Kantumruy Pro Medium"/>
+                <a:sym typeface="Kantumruy Pro Medium"/>
+              </a:rPr>
+              <a:t>, S., Veen, L.E., &amp; Grosso, P. (2020). Evaluation of Container Overlays for Secure Data Sharing. 2020 IEEE 45th LCN Symposium on Emerging Topics in Networking (LCN Symposium), 99-108.</a:t>
+            </a:r>
+            <a:endParaRPr sz="800" dirty="0">
+              <a:solidFill>
+                <a:srgbClr val="263165"/>
+              </a:solidFill>
+              <a:latin typeface="Kantumruy Pro Medium"/>
+              <a:ea typeface="Kantumruy Pro Medium"/>
+              <a:cs typeface="Kantumruy Pro Medium"/>
+              <a:sym typeface="Kantumruy Pro Medium"/>
+            </a:endParaRPr>
           </a:p>
         </p:txBody>
       </p:sp>
@@ -13443,7 +13554,7 @@
         <p:spPr>
           <a:xfrm>
             <a:off x="197775" y="1439425"/>
-            <a:ext cx="6587368" cy="2523738"/>
+            <a:ext cx="6587368" cy="2816125"/>
           </a:xfrm>
           <a:prstGeom prst="rect">
             <a:avLst/>
@@ -13471,17 +13582,6 @@
               </a:buClr>
               <a:buSzPts val="1900"/>
             </a:pPr>
-            <a:br>
-              <a:rPr lang="en" sz="1900" dirty="0">
-                <a:solidFill>
-                  <a:schemeClr val="dk1"/>
-                </a:solidFill>
-                <a:latin typeface="Proxima Nova"/>
-                <a:ea typeface="Proxima Nova"/>
-                <a:cs typeface="Proxima Nova"/>
-                <a:sym typeface="Proxima Nova"/>
-              </a:rPr>
-            </a:br>
             <a:endParaRPr lang="en" sz="1900" dirty="0">
               <a:solidFill>
                 <a:schemeClr val="dk1"/>
@@ -13528,6 +13628,137 @@
               <a:spcAft>
                 <a:spcPts val="0"/>
               </a:spcAft>
+              <a:buClr>
+                <a:schemeClr val="dk1"/>
+              </a:buClr>
+              <a:buSzPts val="1900"/>
+              <a:buFont typeface="Proxima Nova"/>
+              <a:buChar char="●"/>
+            </a:pPr>
+            <a:endParaRPr lang="en-GB" sz="1900" dirty="0">
+              <a:solidFill>
+                <a:schemeClr val="dk1"/>
+              </a:solidFill>
+              <a:latin typeface="Proxima Nova"/>
+              <a:ea typeface="Proxima Nova"/>
+              <a:cs typeface="Proxima Nova"/>
+              <a:sym typeface="Proxima Nova"/>
+            </a:endParaRPr>
+          </a:p>
+          <a:p>
+            <a:pPr marL="457200" lvl="0" indent="-349250" algn="l" rtl="0">
+              <a:spcBef>
+                <a:spcPts val="0"/>
+              </a:spcBef>
+              <a:spcAft>
+                <a:spcPts val="0"/>
+              </a:spcAft>
+              <a:buClr>
+                <a:schemeClr val="dk1"/>
+              </a:buClr>
+              <a:buSzPts val="1900"/>
+              <a:buFont typeface="Proxima Nova"/>
+              <a:buChar char="●"/>
+            </a:pPr>
+            <a:r>
+              <a:rPr lang="en-GB" sz="1900" dirty="0">
+                <a:solidFill>
+                  <a:schemeClr val="dk1"/>
+                </a:solidFill>
+                <a:latin typeface="Proxima Nova"/>
+                <a:ea typeface="Proxima Nova"/>
+                <a:cs typeface="Proxima Nova"/>
+                <a:sym typeface="Proxima Nova"/>
+              </a:rPr>
+              <a:t>Link Fabric into DYNAMOS </a:t>
+            </a:r>
+          </a:p>
+          <a:p>
+            <a:pPr marL="914400" lvl="1" indent="-349250" algn="l" rtl="0">
+              <a:spcBef>
+                <a:spcPts val="0"/>
+              </a:spcBef>
+              <a:spcAft>
+                <a:spcPts val="0"/>
+              </a:spcAft>
+              <a:buClr>
+                <a:schemeClr val="dk1"/>
+              </a:buClr>
+              <a:buSzPts val="1900"/>
+              <a:buFont typeface="Proxima Nova"/>
+              <a:buChar char="○"/>
+            </a:pPr>
+            <a:r>
+              <a:rPr lang="en-GB" sz="1900" dirty="0">
+                <a:solidFill>
+                  <a:schemeClr val="dk1"/>
+                </a:solidFill>
+                <a:latin typeface="Proxima Nova"/>
+                <a:ea typeface="Proxima Nova"/>
+                <a:cs typeface="Proxima Nova"/>
+                <a:sym typeface="Proxima Nova"/>
+              </a:rPr>
+              <a:t>Full distributed scenarios </a:t>
+            </a:r>
+          </a:p>
+          <a:p>
+            <a:pPr marL="914400" lvl="1" indent="-349250" algn="l" rtl="0">
+              <a:spcBef>
+                <a:spcPts val="0"/>
+              </a:spcBef>
+              <a:spcAft>
+                <a:spcPts val="0"/>
+              </a:spcAft>
+              <a:buClr>
+                <a:schemeClr val="dk1"/>
+              </a:buClr>
+              <a:buSzPts val="1900"/>
+              <a:buFont typeface="Proxima Nova"/>
+              <a:buChar char="○"/>
+            </a:pPr>
+            <a:r>
+              <a:rPr lang="en-GB" sz="1900" dirty="0">
+                <a:solidFill>
+                  <a:schemeClr val="dk1"/>
+                </a:solidFill>
+                <a:latin typeface="Proxima Nova"/>
+                <a:ea typeface="Proxima Nova"/>
+                <a:cs typeface="Proxima Nova"/>
+                <a:sym typeface="Proxima Nova"/>
+              </a:rPr>
+              <a:t>Sharing large dataset</a:t>
+            </a:r>
+          </a:p>
+          <a:p>
+            <a:pPr marL="914400" lvl="1" indent="-349250" algn="l" rtl="0">
+              <a:spcBef>
+                <a:spcPts val="0"/>
+              </a:spcBef>
+              <a:spcAft>
+                <a:spcPts val="0"/>
+              </a:spcAft>
+              <a:buClr>
+                <a:schemeClr val="dk1"/>
+              </a:buClr>
+              <a:buSzPts val="1900"/>
+              <a:buFont typeface="Proxima Nova"/>
+              <a:buChar char="○"/>
+            </a:pPr>
+            <a:r>
+              <a:rPr lang="en-GB" sz="1900" dirty="0">
+                <a:solidFill>
+                  <a:schemeClr val="dk1"/>
+                </a:solidFill>
+                <a:latin typeface="Proxima Nova"/>
+                <a:ea typeface="Proxima Nova"/>
+                <a:cs typeface="Proxima Nova"/>
+                <a:sym typeface="Proxima Nova"/>
+              </a:rPr>
+              <a:t>Bring the control plane into the network</a:t>
+            </a:r>
+          </a:p>
+          <a:p>
+            <a:pPr marL="457200" indent="-349250">
               <a:buClr>
                 <a:schemeClr val="dk1"/>
               </a:buClr>
@@ -13546,13 +13777,7 @@
             </a:endParaRPr>
           </a:p>
           <a:p>
-            <a:pPr marL="457200" lvl="0" indent="-349250" algn="l" rtl="0">
-              <a:spcBef>
-                <a:spcPts val="0"/>
-              </a:spcBef>
-              <a:spcAft>
-                <a:spcPts val="0"/>
-              </a:spcAft>
+            <a:pPr marL="457200" indent="-349250">
               <a:buClr>
                 <a:schemeClr val="dk1"/>
               </a:buClr>
@@ -13561,7 +13786,7 @@
               <a:buChar char="●"/>
             </a:pPr>
             <a:r>
-              <a:rPr lang="en" sz="1900" dirty="0">
+              <a:rPr lang="en-GB" sz="1900" dirty="0">
                 <a:solidFill>
                   <a:schemeClr val="dk1"/>
                 </a:solidFill>
@@ -13570,35 +13795,10 @@
                 <a:cs typeface="Proxima Nova"/>
                 <a:sym typeface="Proxima Nova"/>
               </a:rPr>
-              <a:t>Link Fabric into DYNAMOS </a:t>
+              <a:t>https://</a:t>
             </a:r>
-            <a:endParaRPr sz="1900" dirty="0">
-              <a:solidFill>
-                <a:schemeClr val="dk1"/>
-              </a:solidFill>
-              <a:latin typeface="Proxima Nova"/>
-              <a:ea typeface="Proxima Nova"/>
-              <a:cs typeface="Proxima Nova"/>
-              <a:sym typeface="Proxima Nova"/>
-            </a:endParaRPr>
-          </a:p>
-          <a:p>
-            <a:pPr marL="914400" lvl="1" indent="-349250" algn="l" rtl="0">
-              <a:spcBef>
-                <a:spcPts val="0"/>
-              </a:spcBef>
-              <a:spcAft>
-                <a:spcPts val="0"/>
-              </a:spcAft>
-              <a:buClr>
-                <a:schemeClr val="dk1"/>
-              </a:buClr>
-              <a:buSzPts val="1900"/>
-              <a:buFont typeface="Proxima Nova"/>
-              <a:buChar char="○"/>
-            </a:pPr>
             <a:r>
-              <a:rPr lang="en" sz="1900" dirty="0">
+              <a:rPr lang="en-GB" sz="1900" dirty="0" err="1">
                 <a:solidFill>
                   <a:schemeClr val="dk1"/>
                 </a:solidFill>
@@ -13607,35 +13807,10 @@
                 <a:cs typeface="Proxima Nova"/>
                 <a:sym typeface="Proxima Nova"/>
               </a:rPr>
-              <a:t>Full distributed scenarios </a:t>
+              <a:t>delaat.net</a:t>
             </a:r>
-            <a:endParaRPr sz="1900" dirty="0">
-              <a:solidFill>
-                <a:schemeClr val="dk1"/>
-              </a:solidFill>
-              <a:latin typeface="Proxima Nova"/>
-              <a:ea typeface="Proxima Nova"/>
-              <a:cs typeface="Proxima Nova"/>
-              <a:sym typeface="Proxima Nova"/>
-            </a:endParaRPr>
-          </a:p>
-          <a:p>
-            <a:pPr marL="914400" lvl="1" indent="-349250" algn="l" rtl="0">
-              <a:spcBef>
-                <a:spcPts val="0"/>
-              </a:spcBef>
-              <a:spcAft>
-                <a:spcPts val="0"/>
-              </a:spcAft>
-              <a:buClr>
-                <a:schemeClr val="dk1"/>
-              </a:buClr>
-              <a:buSzPts val="1900"/>
-              <a:buFont typeface="Proxima Nova"/>
-              <a:buChar char="○"/>
-            </a:pPr>
             <a:r>
-              <a:rPr lang="en" sz="1900" dirty="0">
+              <a:rPr lang="en-GB" sz="1900" dirty="0">
                 <a:solidFill>
                   <a:schemeClr val="dk1"/>
                 </a:solidFill>
@@ -13644,37 +13819,9 @@
                 <a:cs typeface="Proxima Nova"/>
                 <a:sym typeface="Proxima Nova"/>
               </a:rPr>
-              <a:t>Sharing large dataset</a:t>
+              <a:t>/ofc/</a:t>
             </a:r>
-          </a:p>
-          <a:p>
-            <a:pPr marL="914400" lvl="1" indent="-349250" algn="l" rtl="0">
-              <a:spcBef>
-                <a:spcPts val="0"/>
-              </a:spcBef>
-              <a:spcAft>
-                <a:spcPts val="0"/>
-              </a:spcAft>
-              <a:buClr>
-                <a:schemeClr val="dk1"/>
-              </a:buClr>
-              <a:buSzPts val="1900"/>
-              <a:buFont typeface="Proxima Nova"/>
-              <a:buChar char="○"/>
-            </a:pPr>
-            <a:r>
-              <a:rPr lang="en" sz="1900" dirty="0">
-                <a:solidFill>
-                  <a:schemeClr val="dk1"/>
-                </a:solidFill>
-                <a:latin typeface="Proxima Nova"/>
-                <a:ea typeface="Proxima Nova"/>
-                <a:cs typeface="Proxima Nova"/>
-                <a:sym typeface="Proxima Nova"/>
-              </a:rPr>
-              <a:t>Brin the control plane into the network</a:t>
-            </a:r>
-            <a:endParaRPr sz="1900" dirty="0">
+            <a:endParaRPr lang="en" sz="1900" dirty="0">
               <a:solidFill>
                 <a:schemeClr val="dk1"/>
               </a:solidFill>
@@ -13969,7 +14116,7 @@
         </p:blipFill>
         <p:spPr>
           <a:xfrm>
-            <a:off x="6785143" y="2284146"/>
+            <a:off x="6904015" y="3033954"/>
             <a:ext cx="1103774" cy="696449"/>
           </a:xfrm>
           <a:prstGeom prst="rect">
@@ -13997,7 +14144,7 @@
         </p:blipFill>
         <p:spPr>
           <a:xfrm>
-            <a:off x="7324096" y="3514765"/>
+            <a:off x="7442968" y="4264573"/>
             <a:ext cx="939249" cy="179907"/>
           </a:xfrm>
           <a:prstGeom prst="rect">
@@ -14025,7 +14172,7 @@
         </p:blipFill>
         <p:spPr>
           <a:xfrm>
-            <a:off x="7634996" y="1560977"/>
+            <a:off x="7753868" y="2310785"/>
             <a:ext cx="939249" cy="179907"/>
           </a:xfrm>
           <a:prstGeom prst="rect">
@@ -14041,6 +14188,7 @@
         <p:nvCxnSpPr>
           <p:cNvPr id="158" name="Google Shape;158;p27"/>
           <p:cNvCxnSpPr>
+            <a:cxnSpLocks/>
             <a:stCxn id="155" idx="2"/>
             <a:endCxn id="156" idx="0"/>
           </p:cNvCxnSpPr>
@@ -14048,7 +14196,7 @@
         </p:nvCxnSpPr>
         <p:spPr>
           <a:xfrm>
-            <a:off x="7337030" y="2980595"/>
+            <a:off x="7455902" y="3730403"/>
             <a:ext cx="456600" cy="534300"/>
           </a:xfrm>
           <a:prstGeom prst="straightConnector1">
@@ -14070,6 +14218,7 @@
         <p:nvCxnSpPr>
           <p:cNvPr id="159" name="Google Shape;159;p27"/>
           <p:cNvCxnSpPr>
+            <a:cxnSpLocks/>
             <a:stCxn id="155" idx="0"/>
             <a:endCxn id="157" idx="2"/>
           </p:cNvCxnSpPr>
@@ -14077,7 +14226,7 @@
         </p:nvCxnSpPr>
         <p:spPr>
           <a:xfrm rot="10800000" flipH="1">
-            <a:off x="7337030" y="1740846"/>
+            <a:off x="7455902" y="2490654"/>
             <a:ext cx="767700" cy="543300"/>
           </a:xfrm>
           <a:prstGeom prst="straightConnector1">
@@ -14095,6 +14244,36 @@
           </a:ln>
         </p:spPr>
       </p:cxnSp>
+      <p:pic>
+        <p:nvPicPr>
+          <p:cNvPr id="3" name="Picture 2" descr="A qr code with black squares&#10;&#10;Description automatically generated">
+            <a:extLst>
+              <a:ext uri="{FF2B5EF4-FFF2-40B4-BE49-F238E27FC236}">
+                <a16:creationId xmlns:a16="http://schemas.microsoft.com/office/drawing/2014/main" id="{6854D08C-7902-F911-E0FC-31E4210FC37D}"/>
+              </a:ext>
+            </a:extLst>
+          </p:cNvPr>
+          <p:cNvPicPr>
+            <a:picLocks noChangeAspect="1"/>
+          </p:cNvPicPr>
+          <p:nvPr/>
+        </p:nvPicPr>
+        <p:blipFill>
+          <a:blip r:embed="rId12"/>
+          <a:stretch>
+            <a:fillRect/>
+          </a:stretch>
+        </p:blipFill>
+        <p:spPr>
+          <a:xfrm>
+            <a:off x="7397496" y="96716"/>
+            <a:ext cx="1581576" cy="1581576"/>
+          </a:xfrm>
+          <a:prstGeom prst="rect">
+            <a:avLst/>
+          </a:prstGeom>
+        </p:spPr>
+      </p:pic>
     </p:spTree>
     <p:extLst>
       <p:ext uri="{BB962C8B-B14F-4D97-AF65-F5344CB8AC3E}">

--- a/docs/slides/panel.pptx
+++ b/docs/slides/panel.pptx
@@ -6,30 +6,31 @@
     <p:sldMasterId id="2147483671" r:id="rId2"/>
   </p:sldMasterIdLst>
   <p:notesMasterIdLst>
-    <p:notesMasterId r:id="rId7"/>
+    <p:notesMasterId r:id="rId8"/>
   </p:notesMasterIdLst>
   <p:sldIdLst>
     <p:sldId id="256" r:id="rId3"/>
-    <p:sldId id="258" r:id="rId4"/>
-    <p:sldId id="257" r:id="rId5"/>
-    <p:sldId id="259" r:id="rId6"/>
+    <p:sldId id="260" r:id="rId4"/>
+    <p:sldId id="258" r:id="rId5"/>
+    <p:sldId id="257" r:id="rId6"/>
+    <p:sldId id="259" r:id="rId7"/>
   </p:sldIdLst>
   <p:sldSz cx="9144000" cy="5143500" type="screen16x9"/>
   <p:notesSz cx="6858000" cy="9144000"/>
   <p:embeddedFontLst>
     <p:embeddedFont>
       <p:font typeface="Kantumruy Pro Medium" pitchFamily="2" charset="0"/>
-      <p:regular r:id="rId8"/>
-      <p:bold r:id="rId9"/>
-      <p:italic r:id="rId10"/>
-      <p:boldItalic r:id="rId11"/>
+      <p:regular r:id="rId9"/>
+      <p:bold r:id="rId10"/>
+      <p:italic r:id="rId11"/>
+      <p:boldItalic r:id="rId12"/>
     </p:embeddedFont>
     <p:embeddedFont>
       <p:font typeface="Proxima Nova" panose="02000506030000020004" pitchFamily="2" charset="0"/>
-      <p:regular r:id="rId12"/>
-      <p:bold r:id="rId13"/>
-      <p:italic r:id="rId14"/>
-      <p:boldItalic r:id="rId15"/>
+      <p:regular r:id="rId13"/>
+      <p:bold r:id="rId14"/>
+      <p:italic r:id="rId15"/>
+      <p:boldItalic r:id="rId16"/>
     </p:embeddedFont>
   </p:embeddedFontLst>
   <p:defaultTextStyle>
@@ -830,6 +831,110 @@
   <p:cSld>
     <p:spTree>
       <p:nvGrpSpPr>
+        <p:cNvPr id="1" name="Shape 134"/>
+        <p:cNvGrpSpPr/>
+        <p:nvPr/>
+      </p:nvGrpSpPr>
+      <p:grpSpPr>
+        <a:xfrm>
+          <a:off x="0" y="0"/>
+          <a:ext cx="0" cy="0"/>
+          <a:chOff x="0" y="0"/>
+          <a:chExt cx="0" cy="0"/>
+        </a:xfrm>
+      </p:grpSpPr>
+      <p:sp>
+        <p:nvSpPr>
+          <p:cNvPr id="135" name="Google Shape;135;g29b3ad37aea_0_88:notes"/>
+          <p:cNvSpPr>
+            <a:spLocks noGrp="1" noRot="1" noChangeAspect="1"/>
+          </p:cNvSpPr>
+          <p:nvPr>
+            <p:ph type="sldImg" idx="2"/>
+          </p:nvPr>
+        </p:nvSpPr>
+        <p:spPr>
+          <a:xfrm>
+            <a:off x="381000" y="685800"/>
+            <a:ext cx="6096000" cy="3429000"/>
+          </a:xfrm>
+          <a:custGeom>
+            <a:avLst/>
+            <a:gdLst/>
+            <a:ahLst/>
+            <a:cxnLst/>
+            <a:rect l="l" t="t" r="r" b="b"/>
+            <a:pathLst>
+              <a:path w="120000" h="120000" extrusionOk="0">
+                <a:moveTo>
+                  <a:pt x="0" y="0"/>
+                </a:moveTo>
+                <a:lnTo>
+                  <a:pt x="120000" y="0"/>
+                </a:lnTo>
+                <a:lnTo>
+                  <a:pt x="120000" y="120000"/>
+                </a:lnTo>
+                <a:lnTo>
+                  <a:pt x="0" y="120000"/>
+                </a:lnTo>
+                <a:close/>
+              </a:path>
+            </a:pathLst>
+          </a:custGeom>
+        </p:spPr>
+      </p:sp>
+      <p:sp>
+        <p:nvSpPr>
+          <p:cNvPr id="136" name="Google Shape;136;g29b3ad37aea_0_88:notes"/>
+          <p:cNvSpPr txBox="1">
+            <a:spLocks noGrp="1"/>
+          </p:cNvSpPr>
+          <p:nvPr>
+            <p:ph type="body" idx="1"/>
+          </p:nvPr>
+        </p:nvSpPr>
+        <p:spPr>
+          <a:xfrm>
+            <a:off x="685800" y="4343400"/>
+            <a:ext cx="5486400" cy="4114800"/>
+          </a:xfrm>
+          <a:prstGeom prst="rect">
+            <a:avLst/>
+          </a:prstGeom>
+        </p:spPr>
+        <p:txBody>
+          <a:bodyPr spcFirstLastPara="1" wrap="square" lIns="91425" tIns="91425" rIns="91425" bIns="91425" anchor="t" anchorCtr="0">
+            <a:noAutofit/>
+          </a:bodyPr>
+          <a:lstStyle/>
+          <a:p>
+            <a:pPr marL="0" lvl="0" indent="0" algn="l" rtl="0">
+              <a:spcBef>
+                <a:spcPts val="0"/>
+              </a:spcBef>
+              <a:spcAft>
+                <a:spcPts val="0"/>
+              </a:spcAft>
+              <a:buNone/>
+            </a:pPr>
+            <a:endParaRPr/>
+          </a:p>
+        </p:txBody>
+      </p:sp>
+    </p:spTree>
+  </p:cSld>
+  <p:clrMapOvr>
+    <a:masterClrMapping/>
+  </p:clrMapOvr>
+</p:notes>
+</file>
+
+<file path=ppt/notesSlides/notesSlide3.xml><?xml version="1.0" encoding="utf-8"?>
+<p:notes xmlns:a="http://schemas.openxmlformats.org/drawingml/2006/main" xmlns:r="http://schemas.openxmlformats.org/officeDocument/2006/relationships" xmlns:p="http://schemas.openxmlformats.org/presentationml/2006/main" showMasterSp="0" showMasterPhAnim="0">
+  <p:cSld>
+    <p:spTree>
+      <p:nvGrpSpPr>
         <p:cNvPr id="1" name="Shape 139"/>
         <p:cNvGrpSpPr/>
         <p:nvPr/>
@@ -929,7 +1034,7 @@
 </p:notes>
 </file>
 
-<file path=ppt/notesSlides/notesSlide3.xml><?xml version="1.0" encoding="utf-8"?>
+<file path=ppt/notesSlides/notesSlide4.xml><?xml version="1.0" encoding="utf-8"?>
 <p:notes xmlns:a="http://schemas.openxmlformats.org/drawingml/2006/main" xmlns:r="http://schemas.openxmlformats.org/officeDocument/2006/relationships" xmlns:p="http://schemas.openxmlformats.org/presentationml/2006/main" showMasterSp="0" showMasterPhAnim="0">
   <p:cSld>
     <p:spTree>
@@ -1033,7 +1138,7 @@
 </p:notes>
 </file>
 
-<file path=ppt/notesSlides/notesSlide4.xml><?xml version="1.0" encoding="utf-8"?>
+<file path=ppt/notesSlides/notesSlide5.xml><?xml version="1.0" encoding="utf-8"?>
 <p:notes xmlns:a="http://schemas.openxmlformats.org/drawingml/2006/main" xmlns:r="http://schemas.openxmlformats.org/officeDocument/2006/relationships" xmlns:p="http://schemas.openxmlformats.org/presentationml/2006/main" showMasterSp="0" showMasterPhAnim="0">
   <p:cSld>
     <p:spTree>
@@ -11497,7 +11602,7 @@
             </a:br>
             <a:r>
               <a:rPr lang="en-US" sz="3200" dirty="0"/>
-              <a:t>Adaptive microservice-OS</a:t>
+              <a:t>Dynamic Adaptive Microservice-OS</a:t>
             </a:r>
             <a:br>
               <a:rPr lang="en-US" dirty="0"/>
@@ -11507,7 +11612,7 @@
             </a:br>
             <a:r>
               <a:rPr lang="en-US" sz="1800" dirty="0"/>
-              <a:t>Dynamic microservices for data-exchange scenario</a:t>
+              <a:t>For data-exchange scenarios</a:t>
             </a:r>
           </a:p>
         </p:txBody>
@@ -11549,7 +11654,7 @@
             </a:pPr>
             <a:r>
               <a:rPr lang="en-US" dirty="0"/>
-              <a:t>Thesis subject with the</a:t>
+              <a:t>Master Software Engineering,</a:t>
             </a:r>
             <a:br>
               <a:rPr lang="en-US" dirty="0"/>
@@ -11874,6 +11979,533 @@
 </file>
 
 <file path=ppt/slides/slide2.xml><?xml version="1.0" encoding="utf-8"?>
+<p:sld xmlns:a="http://schemas.openxmlformats.org/drawingml/2006/main" xmlns:r="http://schemas.openxmlformats.org/officeDocument/2006/relationships" xmlns:p="http://schemas.openxmlformats.org/presentationml/2006/main">
+  <p:cSld>
+    <p:spTree>
+      <p:nvGrpSpPr>
+        <p:cNvPr id="1" name="Shape 137"/>
+        <p:cNvGrpSpPr/>
+        <p:nvPr/>
+      </p:nvGrpSpPr>
+      <p:grpSpPr>
+        <a:xfrm>
+          <a:off x="0" y="0"/>
+          <a:ext cx="0" cy="0"/>
+          <a:chOff x="0" y="0"/>
+          <a:chExt cx="0" cy="0"/>
+        </a:xfrm>
+      </p:grpSpPr>
+      <p:sp>
+        <p:nvSpPr>
+          <p:cNvPr id="138" name="Google Shape;138;p27"/>
+          <p:cNvSpPr txBox="1">
+            <a:spLocks noGrp="1"/>
+          </p:cNvSpPr>
+          <p:nvPr>
+            <p:ph type="title" idx="4294967295"/>
+          </p:nvPr>
+        </p:nvSpPr>
+        <p:spPr>
+          <a:xfrm>
+            <a:off x="311700" y="445025"/>
+            <a:ext cx="6789300" cy="1005300"/>
+          </a:xfrm>
+          <a:prstGeom prst="rect">
+            <a:avLst/>
+          </a:prstGeom>
+        </p:spPr>
+        <p:txBody>
+          <a:bodyPr spcFirstLastPara="1" wrap="square" lIns="91425" tIns="91425" rIns="91425" bIns="91425" anchor="t" anchorCtr="0">
+            <a:noAutofit/>
+          </a:bodyPr>
+          <a:lstStyle/>
+          <a:p>
+            <a:pPr marL="0" lvl="0" indent="0" algn="l" rtl="0">
+              <a:spcBef>
+                <a:spcPts val="0"/>
+              </a:spcBef>
+              <a:spcAft>
+                <a:spcPts val="0"/>
+              </a:spcAft>
+              <a:buNone/>
+            </a:pPr>
+            <a:r>
+              <a:rPr lang="en" sz="3600"/>
+              <a:t>Data exchange marketplaces</a:t>
+            </a:r>
+            <a:endParaRPr sz="3600"/>
+          </a:p>
+        </p:txBody>
+      </p:sp>
+      <p:grpSp>
+        <p:nvGrpSpPr>
+          <p:cNvPr id="139" name="Google Shape;139;p27"/>
+          <p:cNvGrpSpPr/>
+          <p:nvPr/>
+        </p:nvGrpSpPr>
+        <p:grpSpPr>
+          <a:xfrm>
+            <a:off x="7798" y="4677828"/>
+            <a:ext cx="4563997" cy="361752"/>
+            <a:chOff x="76200" y="4384759"/>
+            <a:chExt cx="9046575" cy="662307"/>
+          </a:xfrm>
+        </p:grpSpPr>
+        <p:pic>
+          <p:nvPicPr>
+            <p:cNvPr id="140" name="Google Shape;140;p27"/>
+            <p:cNvPicPr preferRelativeResize="0"/>
+            <p:nvPr/>
+          </p:nvPicPr>
+          <p:blipFill>
+            <a:blip r:embed="rId3">
+              <a:alphaModFix/>
+            </a:blip>
+            <a:stretch>
+              <a:fillRect/>
+            </a:stretch>
+          </p:blipFill>
+          <p:spPr>
+            <a:xfrm>
+              <a:off x="5104511" y="4668174"/>
+              <a:ext cx="1520554" cy="375104"/>
+            </a:xfrm>
+            <a:prstGeom prst="rect">
+              <a:avLst/>
+            </a:prstGeom>
+            <a:noFill/>
+            <a:ln>
+              <a:noFill/>
+            </a:ln>
+          </p:spPr>
+        </p:pic>
+        <p:pic>
+          <p:nvPicPr>
+            <p:cNvPr id="141" name="Google Shape;141;p27"/>
+            <p:cNvPicPr preferRelativeResize="0"/>
+            <p:nvPr/>
+          </p:nvPicPr>
+          <p:blipFill>
+            <a:blip r:embed="rId4">
+              <a:alphaModFix/>
+            </a:blip>
+            <a:stretch>
+              <a:fillRect/>
+            </a:stretch>
+          </p:blipFill>
+          <p:spPr>
+            <a:xfrm>
+              <a:off x="7194456" y="4669735"/>
+              <a:ext cx="379769" cy="371987"/>
+            </a:xfrm>
+            <a:prstGeom prst="rect">
+              <a:avLst/>
+            </a:prstGeom>
+            <a:noFill/>
+            <a:ln>
+              <a:noFill/>
+            </a:ln>
+          </p:spPr>
+        </p:pic>
+        <p:pic>
+          <p:nvPicPr>
+            <p:cNvPr id="142" name="Google Shape;142;p27"/>
+            <p:cNvPicPr preferRelativeResize="0"/>
+            <p:nvPr/>
+          </p:nvPicPr>
+          <p:blipFill>
+            <a:blip r:embed="rId5">
+              <a:alphaModFix/>
+            </a:blip>
+            <a:stretch>
+              <a:fillRect/>
+            </a:stretch>
+          </p:blipFill>
+          <p:spPr>
+            <a:xfrm>
+              <a:off x="76200" y="4610951"/>
+              <a:ext cx="1193160" cy="406673"/>
+            </a:xfrm>
+            <a:prstGeom prst="rect">
+              <a:avLst/>
+            </a:prstGeom>
+            <a:noFill/>
+            <a:ln>
+              <a:noFill/>
+            </a:ln>
+          </p:spPr>
+        </p:pic>
+        <p:pic>
+          <p:nvPicPr>
+            <p:cNvPr id="143" name="Google Shape;143;p27"/>
+            <p:cNvPicPr preferRelativeResize="0"/>
+            <p:nvPr/>
+          </p:nvPicPr>
+          <p:blipFill>
+            <a:blip r:embed="rId6">
+              <a:alphaModFix/>
+            </a:blip>
+            <a:stretch>
+              <a:fillRect/>
+            </a:stretch>
+          </p:blipFill>
+          <p:spPr>
+            <a:xfrm>
+              <a:off x="3154095" y="4704216"/>
+              <a:ext cx="1861739" cy="329380"/>
+            </a:xfrm>
+            <a:prstGeom prst="rect">
+              <a:avLst/>
+            </a:prstGeom>
+            <a:noFill/>
+            <a:ln>
+              <a:noFill/>
+            </a:ln>
+          </p:spPr>
+        </p:pic>
+        <p:pic>
+          <p:nvPicPr>
+            <p:cNvPr id="144" name="Google Shape;144;p27"/>
+            <p:cNvPicPr preferRelativeResize="0"/>
+            <p:nvPr/>
+          </p:nvPicPr>
+          <p:blipFill>
+            <a:blip r:embed="rId7">
+              <a:alphaModFix/>
+            </a:blip>
+            <a:stretch>
+              <a:fillRect/>
+            </a:stretch>
+          </p:blipFill>
+          <p:spPr>
+            <a:xfrm>
+              <a:off x="1295726" y="4669741"/>
+              <a:ext cx="1013069" cy="371981"/>
+            </a:xfrm>
+            <a:prstGeom prst="rect">
+              <a:avLst/>
+            </a:prstGeom>
+            <a:noFill/>
+            <a:ln>
+              <a:noFill/>
+            </a:ln>
+          </p:spPr>
+        </p:pic>
+        <p:pic>
+          <p:nvPicPr>
+            <p:cNvPr id="145" name="Google Shape;145;p27"/>
+            <p:cNvPicPr preferRelativeResize="0"/>
+            <p:nvPr/>
+          </p:nvPicPr>
+          <p:blipFill>
+            <a:blip r:embed="rId8">
+              <a:alphaModFix/>
+            </a:blip>
+            <a:stretch>
+              <a:fillRect/>
+            </a:stretch>
+          </p:blipFill>
+          <p:spPr>
+            <a:xfrm>
+              <a:off x="2335152" y="4584651"/>
+              <a:ext cx="788054" cy="459276"/>
+            </a:xfrm>
+            <a:prstGeom prst="rect">
+              <a:avLst/>
+            </a:prstGeom>
+            <a:noFill/>
+            <a:ln>
+              <a:noFill/>
+            </a:ln>
+          </p:spPr>
+        </p:pic>
+        <p:pic>
+          <p:nvPicPr>
+            <p:cNvPr id="146" name="Google Shape;146;p27"/>
+            <p:cNvPicPr preferRelativeResize="0"/>
+            <p:nvPr/>
+          </p:nvPicPr>
+          <p:blipFill>
+            <a:blip r:embed="rId9">
+              <a:alphaModFix/>
+            </a:blip>
+            <a:stretch>
+              <a:fillRect/>
+            </a:stretch>
+          </p:blipFill>
+          <p:spPr>
+            <a:xfrm>
+              <a:off x="6713742" y="4384759"/>
+              <a:ext cx="407069" cy="659165"/>
+            </a:xfrm>
+            <a:prstGeom prst="rect">
+              <a:avLst/>
+            </a:prstGeom>
+            <a:noFill/>
+            <a:ln>
+              <a:noFill/>
+            </a:ln>
+          </p:spPr>
+        </p:pic>
+        <p:pic>
+          <p:nvPicPr>
+            <p:cNvPr id="147" name="Google Shape;147;p27"/>
+            <p:cNvPicPr preferRelativeResize="0"/>
+            <p:nvPr/>
+          </p:nvPicPr>
+          <p:blipFill>
+            <a:blip r:embed="rId10">
+              <a:alphaModFix/>
+            </a:blip>
+            <a:stretch>
+              <a:fillRect/>
+            </a:stretch>
+          </p:blipFill>
+          <p:spPr>
+            <a:xfrm>
+              <a:off x="8143606" y="4667351"/>
+              <a:ext cx="979169" cy="371975"/>
+            </a:xfrm>
+            <a:prstGeom prst="rect">
+              <a:avLst/>
+            </a:prstGeom>
+            <a:noFill/>
+            <a:ln>
+              <a:noFill/>
+            </a:ln>
+          </p:spPr>
+        </p:pic>
+        <p:pic>
+          <p:nvPicPr>
+            <p:cNvPr id="148" name="Google Shape;148;p27"/>
+            <p:cNvPicPr preferRelativeResize="0"/>
+            <p:nvPr/>
+          </p:nvPicPr>
+          <p:blipFill>
+            <a:blip r:embed="rId11">
+              <a:alphaModFix/>
+            </a:blip>
+            <a:stretch>
+              <a:fillRect/>
+            </a:stretch>
+          </p:blipFill>
+          <p:spPr>
+            <a:xfrm>
+              <a:off x="7676818" y="4507399"/>
+              <a:ext cx="379775" cy="539667"/>
+            </a:xfrm>
+            <a:prstGeom prst="rect">
+              <a:avLst/>
+            </a:prstGeom>
+            <a:noFill/>
+            <a:ln>
+              <a:noFill/>
+            </a:ln>
+          </p:spPr>
+        </p:pic>
+      </p:grpSp>
+      <p:sp>
+        <p:nvSpPr>
+          <p:cNvPr id="149" name="Google Shape;149;p27"/>
+          <p:cNvSpPr txBox="1"/>
+          <p:nvPr/>
+        </p:nvSpPr>
+        <p:spPr>
+          <a:xfrm>
+            <a:off x="7800" y="2480600"/>
+            <a:ext cx="3344400" cy="1293000"/>
+          </a:xfrm>
+          <a:prstGeom prst="rect">
+            <a:avLst/>
+          </a:prstGeom>
+          <a:noFill/>
+          <a:ln>
+            <a:noFill/>
+          </a:ln>
+        </p:spPr>
+        <p:txBody>
+          <a:bodyPr spcFirstLastPara="1" wrap="square" lIns="91425" tIns="91425" rIns="91425" bIns="91425" anchor="ctr" anchorCtr="0">
+            <a:spAutoFit/>
+          </a:bodyPr>
+          <a:lstStyle/>
+          <a:p>
+            <a:pPr marL="0" lvl="0" indent="0" algn="ctr" rtl="0">
+              <a:spcBef>
+                <a:spcPts val="0"/>
+              </a:spcBef>
+              <a:spcAft>
+                <a:spcPts val="0"/>
+              </a:spcAft>
+              <a:buNone/>
+            </a:pPr>
+            <a:r>
+              <a:rPr lang="en" sz="1800">
+                <a:solidFill>
+                  <a:schemeClr val="accent3"/>
+                </a:solidFill>
+                <a:latin typeface="Proxima Nova"/>
+                <a:ea typeface="Proxima Nova"/>
+                <a:cs typeface="Proxima Nova"/>
+                <a:sym typeface="Proxima Nova"/>
+              </a:rPr>
+              <a:t> AMdEX translates your data sharing agreements into machine-readable policies, that can automatically be enforced.</a:t>
+            </a:r>
+            <a:endParaRPr/>
+          </a:p>
+        </p:txBody>
+      </p:sp>
+      <p:pic>
+        <p:nvPicPr>
+          <p:cNvPr id="150" name="Google Shape;150;p27"/>
+          <p:cNvPicPr preferRelativeResize="0"/>
+          <p:nvPr/>
+        </p:nvPicPr>
+        <p:blipFill>
+          <a:blip r:embed="rId7">
+            <a:alphaModFix/>
+          </a:blip>
+          <a:stretch>
+            <a:fillRect/>
+          </a:stretch>
+        </p:blipFill>
+        <p:spPr>
+          <a:xfrm>
+            <a:off x="968389" y="1750684"/>
+            <a:ext cx="1332675" cy="529775"/>
+          </a:xfrm>
+          <a:prstGeom prst="rect">
+            <a:avLst/>
+          </a:prstGeom>
+          <a:noFill/>
+          <a:ln>
+            <a:noFill/>
+          </a:ln>
+        </p:spPr>
+      </p:pic>
+      <p:cxnSp>
+        <p:nvCxnSpPr>
+          <p:cNvPr id="151" name="Google Shape;151;p27"/>
+          <p:cNvCxnSpPr/>
+          <p:nvPr/>
+        </p:nvCxnSpPr>
+        <p:spPr>
+          <a:xfrm>
+            <a:off x="3550525" y="2591575"/>
+            <a:ext cx="1030200" cy="7800"/>
+          </a:xfrm>
+          <a:prstGeom prst="straightConnector1">
+            <a:avLst/>
+          </a:prstGeom>
+          <a:noFill/>
+          <a:ln w="38100" cap="flat" cmpd="sng">
+            <a:solidFill>
+              <a:schemeClr val="dk1"/>
+            </a:solidFill>
+            <a:prstDash val="solid"/>
+            <a:round/>
+            <a:headEnd type="none" w="med" len="med"/>
+            <a:tailEnd type="triangle" w="med" len="med"/>
+          </a:ln>
+        </p:spPr>
+      </p:cxnSp>
+      <p:sp>
+        <p:nvSpPr>
+          <p:cNvPr id="152" name="Google Shape;152;p27"/>
+          <p:cNvSpPr txBox="1">
+            <a:spLocks noGrp="1"/>
+          </p:cNvSpPr>
+          <p:nvPr>
+            <p:ph type="body" idx="4294967295"/>
+          </p:nvPr>
+        </p:nvSpPr>
+        <p:spPr>
+          <a:xfrm>
+            <a:off x="4813275" y="1521525"/>
+            <a:ext cx="4084500" cy="3156300"/>
+          </a:xfrm>
+          <a:prstGeom prst="rect">
+            <a:avLst/>
+          </a:prstGeom>
+        </p:spPr>
+        <p:txBody>
+          <a:bodyPr spcFirstLastPara="1" wrap="square" lIns="91425" tIns="91425" rIns="91425" bIns="91425" anchor="t" anchorCtr="0">
+            <a:noAutofit/>
+          </a:bodyPr>
+          <a:lstStyle/>
+          <a:p>
+            <a:pPr marL="0" lvl="0" indent="0" algn="l" rtl="0">
+              <a:spcBef>
+                <a:spcPts val="0"/>
+              </a:spcBef>
+              <a:spcAft>
+                <a:spcPts val="0"/>
+              </a:spcAft>
+              <a:buNone/>
+            </a:pPr>
+            <a:r>
+              <a:rPr lang="en-US" b="1" dirty="0"/>
+              <a:t>Use cases:</a:t>
+            </a:r>
+          </a:p>
+          <a:p>
+            <a:pPr marL="457200" lvl="0" indent="-342900" algn="l" rtl="0">
+              <a:spcBef>
+                <a:spcPts val="1600"/>
+              </a:spcBef>
+              <a:spcAft>
+                <a:spcPts val="0"/>
+              </a:spcAft>
+              <a:buSzPts val="1800"/>
+              <a:buChar char="●"/>
+            </a:pPr>
+            <a:r>
+              <a:rPr lang="en-US" dirty="0"/>
+              <a:t>Medical: analysis on patient data </a:t>
+            </a:r>
+          </a:p>
+          <a:p>
+            <a:pPr marL="457200" lvl="0" indent="-342900" algn="l" rtl="0">
+              <a:spcBef>
+                <a:spcPts val="1600"/>
+              </a:spcBef>
+              <a:spcAft>
+                <a:spcPts val="0"/>
+              </a:spcAft>
+              <a:buSzPts val="1800"/>
+              <a:buChar char="●"/>
+            </a:pPr>
+            <a:r>
+              <a:rPr lang="en-US" dirty="0"/>
+              <a:t>Federated Machine Learning  (Predictive maintenance on airline data)</a:t>
+            </a:r>
+          </a:p>
+          <a:p>
+            <a:pPr marL="457200" lvl="0" indent="-342900" algn="l" rtl="0">
+              <a:spcBef>
+                <a:spcPts val="1600"/>
+              </a:spcBef>
+              <a:spcAft>
+                <a:spcPts val="1600"/>
+              </a:spcAft>
+              <a:buSzPts val="1800"/>
+              <a:buChar char="●"/>
+            </a:pPr>
+            <a:r>
+              <a:rPr lang="en-US" dirty="0"/>
+              <a:t>Sharing anonymous sensor data (smart buildings)</a:t>
+            </a:r>
+          </a:p>
+        </p:txBody>
+      </p:sp>
+    </p:spTree>
+  </p:cSld>
+  <p:clrMapOvr>
+    <a:masterClrMapping/>
+  </p:clrMapOvr>
+</p:sld>
+</file>
+
+<file path=ppt/slides/slide3.xml><?xml version="1.0" encoding="utf-8"?>
 <p:sld xmlns:a="http://schemas.openxmlformats.org/drawingml/2006/main" xmlns:r="http://schemas.openxmlformats.org/officeDocument/2006/relationships" xmlns:p="http://schemas.openxmlformats.org/presentationml/2006/main">
   <p:cSld>
     <p:spTree>
@@ -12733,7 +13365,7 @@
 </p:sld>
 </file>
 
-<file path=ppt/slides/slide3.xml><?xml version="1.0" encoding="utf-8"?>
+<file path=ppt/slides/slide4.xml><?xml version="1.0" encoding="utf-8"?>
 <p:sld xmlns:a="http://schemas.openxmlformats.org/drawingml/2006/main" xmlns:r="http://schemas.openxmlformats.org/officeDocument/2006/relationships" xmlns:p="http://schemas.openxmlformats.org/presentationml/2006/main">
   <p:cSld>
     <p:spTree>
@@ -13486,7 +14118,7 @@
 </p:sld>
 </file>
 
-<file path=ppt/slides/slide4.xml><?xml version="1.0" encoding="utf-8"?>
+<file path=ppt/slides/slide5.xml><?xml version="1.0" encoding="utf-8"?>
 <p:sld xmlns:a="http://schemas.openxmlformats.org/drawingml/2006/main" xmlns:r="http://schemas.openxmlformats.org/officeDocument/2006/relationships" xmlns:p="http://schemas.openxmlformats.org/presentationml/2006/main">
   <p:cSld>
     <p:spTree>
@@ -13554,7 +14186,7 @@
         <p:spPr>
           <a:xfrm>
             <a:off x="197775" y="1439425"/>
-            <a:ext cx="6587368" cy="2816125"/>
+            <a:ext cx="6587368" cy="3108513"/>
           </a:xfrm>
           <a:prstGeom prst="rect">
             <a:avLst/>
@@ -13726,7 +14358,7 @@
                 <a:cs typeface="Proxima Nova"/>
                 <a:sym typeface="Proxima Nova"/>
               </a:rPr>
-              <a:t>Sharing large dataset</a:t>
+              <a:t>Sharing large datasets</a:t>
             </a:r>
           </a:p>
           <a:p>
@@ -13754,7 +14386,30 @@
                 <a:cs typeface="Proxima Nova"/>
                 <a:sym typeface="Proxima Nova"/>
               </a:rPr>
-              <a:t>Bring the control plane into the network</a:t>
+              <a:t>Move control plane components</a:t>
+            </a:r>
+            <a:br>
+              <a:rPr lang="en-GB" sz="1900" dirty="0">
+                <a:solidFill>
+                  <a:schemeClr val="dk1"/>
+                </a:solidFill>
+                <a:latin typeface="Proxima Nova"/>
+                <a:ea typeface="Proxima Nova"/>
+                <a:cs typeface="Proxima Nova"/>
+                <a:sym typeface="Proxima Nova"/>
+              </a:rPr>
+            </a:br>
+            <a:r>
+              <a:rPr lang="en-GB" sz="1900" dirty="0">
+                <a:solidFill>
+                  <a:schemeClr val="dk1"/>
+                </a:solidFill>
+                <a:latin typeface="Proxima Nova"/>
+                <a:ea typeface="Proxima Nova"/>
+                <a:cs typeface="Proxima Nova"/>
+                <a:sym typeface="Proxima Nova"/>
+              </a:rPr>
+              <a:t>into the network</a:t>
             </a:r>
           </a:p>
           <a:p>
